--- a/alex/UD2/UD2.2 Fundamentos de Kotlin.pptx
+++ b/alex/UD2/UD2.2 Fundamentos de Kotlin.pptx
@@ -249,7 +249,7 @@
           <a:p>
             <a:fld id="{82E89499-4C5B-4DDE-969A-9333FF39DBC5}" type="datetimeFigureOut">
               <a:rPr lang="es-ES" smtClean="0"/>
-              <a:t>13/08/2023</a:t>
+              <a:t>16/09/2023</a:t>
             </a:fld>
             <a:endParaRPr lang="es-ES"/>
           </a:p>
@@ -762,7 +762,7 @@
             <a:fld id="{B61BEF0D-F0BB-DE4B-95CE-6DB70DBA9567}" type="datetimeFigureOut">
               <a:rPr lang="en-US" dirty="0"/>
               <a:pPr/>
-              <a:t>8/13/2023</a:t>
+              <a:t>9/16/2023</a:t>
             </a:fld>
             <a:endParaRPr lang="en-US" dirty="0"/>
           </a:p>
@@ -1021,7 +1021,7 @@
             <a:fld id="{B61BEF0D-F0BB-DE4B-95CE-6DB70DBA9567}" type="datetimeFigureOut">
               <a:rPr lang="en-US" dirty="0"/>
               <a:pPr/>
-              <a:t>8/13/2023</a:t>
+              <a:t>9/16/2023</a:t>
             </a:fld>
             <a:endParaRPr lang="en-US" dirty="0"/>
           </a:p>
@@ -1253,7 +1253,7 @@
             <a:fld id="{B61BEF0D-F0BB-DE4B-95CE-6DB70DBA9567}" type="datetimeFigureOut">
               <a:rPr lang="en-US" dirty="0"/>
               <a:pPr/>
-              <a:t>8/13/2023</a:t>
+              <a:t>9/16/2023</a:t>
             </a:fld>
             <a:endParaRPr lang="en-US" dirty="0"/>
           </a:p>
@@ -1490,7 +1490,7 @@
             <a:fld id="{B61BEF0D-F0BB-DE4B-95CE-6DB70DBA9567}" type="datetimeFigureOut">
               <a:rPr lang="en-US" dirty="0"/>
               <a:pPr/>
-              <a:t>8/13/2023</a:t>
+              <a:t>9/16/2023</a:t>
             </a:fld>
             <a:endParaRPr lang="en-US" dirty="0"/>
           </a:p>
@@ -1794,7 +1794,7 @@
             <a:fld id="{B61BEF0D-F0BB-DE4B-95CE-6DB70DBA9567}" type="datetimeFigureOut">
               <a:rPr lang="en-US" dirty="0"/>
               <a:pPr/>
-              <a:t>8/13/2023</a:t>
+              <a:t>9/16/2023</a:t>
             </a:fld>
             <a:endParaRPr lang="en-US" dirty="0"/>
           </a:p>
@@ -2093,7 +2093,7 @@
             <a:fld id="{B61BEF0D-F0BB-DE4B-95CE-6DB70DBA9567}" type="datetimeFigureOut">
               <a:rPr lang="en-US" dirty="0"/>
               <a:pPr/>
-              <a:t>8/13/2023</a:t>
+              <a:t>9/16/2023</a:t>
             </a:fld>
             <a:endParaRPr lang="en-US" dirty="0"/>
           </a:p>
@@ -2512,7 +2512,7 @@
             <a:fld id="{B61BEF0D-F0BB-DE4B-95CE-6DB70DBA9567}" type="datetimeFigureOut">
               <a:rPr lang="en-US" dirty="0"/>
               <a:pPr/>
-              <a:t>8/13/2023</a:t>
+              <a:t>9/16/2023</a:t>
             </a:fld>
             <a:endParaRPr lang="en-US" dirty="0"/>
           </a:p>
@@ -2604,7 +2604,7 @@
             <a:fld id="{B61BEF0D-F0BB-DE4B-95CE-6DB70DBA9567}" type="datetimeFigureOut">
               <a:rPr lang="en-US" dirty="0"/>
               <a:pPr/>
-              <a:t>8/13/2023</a:t>
+              <a:t>9/16/2023</a:t>
             </a:fld>
             <a:endParaRPr lang="en-US" dirty="0"/>
           </a:p>
@@ -2763,7 +2763,7 @@
             <a:fld id="{B61BEF0D-F0BB-DE4B-95CE-6DB70DBA9567}" type="datetimeFigureOut">
               <a:rPr lang="en-US" dirty="0"/>
               <a:pPr/>
-              <a:t>8/13/2023</a:t>
+              <a:t>9/16/2023</a:t>
             </a:fld>
             <a:endParaRPr lang="en-US" dirty="0"/>
           </a:p>
@@ -3138,7 +3138,7 @@
             <a:fld id="{B61BEF0D-F0BB-DE4B-95CE-6DB70DBA9567}" type="datetimeFigureOut">
               <a:rPr lang="en-US" dirty="0"/>
               <a:pPr/>
-              <a:t>8/13/2023</a:t>
+              <a:t>9/16/2023</a:t>
             </a:fld>
             <a:endParaRPr lang="en-US" dirty="0"/>
           </a:p>
@@ -3424,7 +3424,7 @@
             <a:fld id="{B61BEF0D-F0BB-DE4B-95CE-6DB70DBA9567}" type="datetimeFigureOut">
               <a:rPr lang="en-US" dirty="0"/>
               <a:pPr/>
-              <a:t>8/13/2023</a:t>
+              <a:t>9/16/2023</a:t>
             </a:fld>
             <a:endParaRPr lang="en-US" dirty="0"/>
           </a:p>
@@ -3632,7 +3632,7 @@
             <a:fld id="{B61BEF0D-F0BB-DE4B-95CE-6DB70DBA9567}" type="datetimeFigureOut">
               <a:rPr lang="en-US" dirty="0"/>
               <a:pPr/>
-              <a:t>8/13/2023</a:t>
+              <a:t>9/16/2023</a:t>
             </a:fld>
             <a:endParaRPr lang="en-US" dirty="0"/>
           </a:p>
@@ -36160,7 +36160,7 @@
               <a:buNone/>
             </a:pPr>
             <a:r>
-              <a:rPr lang="es-ES" sz="2400">
+              <a:rPr lang="es-ES" sz="2400" dirty="0">
                 <a:solidFill>
                   <a:schemeClr val="tx1"/>
                 </a:solidFill>
@@ -36171,7 +36171,7 @@
               <a:t>Con </a:t>
             </a:r>
             <a:r>
-              <a:rPr lang="es-ES" sz="2400" b="1">
+              <a:rPr lang="es-ES" sz="2400" b="1" dirty="0" err="1">
                 <a:solidFill>
                   <a:schemeClr val="tx1"/>
                 </a:solidFill>
@@ -36182,7 +36182,7 @@
               <a:t>when</a:t>
             </a:r>
             <a:r>
-              <a:rPr lang="es-ES" sz="2400">
+              <a:rPr lang="es-ES" sz="2400" dirty="0">
                 <a:solidFill>
                   <a:schemeClr val="tx1"/>
                 </a:solidFill>
@@ -36203,7 +36203,7 @@
               </a:spcAft>
               <a:buNone/>
             </a:pPr>
-            <a:endParaRPr lang="es-ES" sz="2400">
+            <a:endParaRPr lang="es-ES" sz="2400" dirty="0">
               <a:solidFill>
                 <a:schemeClr val="tx1"/>
               </a:solidFill>
@@ -36222,7 +36222,7 @@
               </a:spcAft>
               <a:buNone/>
             </a:pPr>
-            <a:endParaRPr lang="es-ES" sz="2400">
+            <a:endParaRPr lang="es-ES" sz="2400" dirty="0">
               <a:solidFill>
                 <a:schemeClr val="tx1"/>
               </a:solidFill>
@@ -36241,7 +36241,7 @@
               </a:spcAft>
               <a:buNone/>
             </a:pPr>
-            <a:endParaRPr lang="es-ES" sz="2400">
+            <a:endParaRPr lang="es-ES" sz="2400" dirty="0">
               <a:solidFill>
                 <a:schemeClr val="tx1"/>
               </a:solidFill>
@@ -36260,7 +36260,7 @@
               </a:spcAft>
               <a:buNone/>
             </a:pPr>
-            <a:endParaRPr lang="es-ES" sz="2400">
+            <a:endParaRPr lang="es-ES" sz="2400" dirty="0">
               <a:solidFill>
                 <a:schemeClr val="tx1"/>
               </a:solidFill>
@@ -36279,7 +36279,7 @@
               </a:spcAft>
               <a:buNone/>
             </a:pPr>
-            <a:endParaRPr lang="es-ES" sz="2400">
+            <a:endParaRPr lang="es-ES" sz="2400" dirty="0">
               <a:solidFill>
                 <a:schemeClr val="tx1"/>
               </a:solidFill>
@@ -36298,7 +36298,7 @@
               </a:spcAft>
               <a:buNone/>
             </a:pPr>
-            <a:endParaRPr lang="es-ES" sz="2400">
+            <a:endParaRPr lang="es-ES" sz="2400" dirty="0">
               <a:solidFill>
                 <a:schemeClr val="tx1"/>
               </a:solidFill>
@@ -36318,7 +36318,7 @@
               <a:buNone/>
             </a:pPr>
             <a:r>
-              <a:rPr lang="es-ES" sz="2400">
+              <a:rPr lang="es-ES" sz="2400" dirty="0">
                 <a:solidFill>
                   <a:schemeClr val="tx1"/>
                 </a:solidFill>
